--- a/apresentacao/apresentacao_curso_R.pptx
+++ b/apresentacao/apresentacao_curso_R.pptx
@@ -249,7 +249,7 @@
           <a:p>
             <a:fld id="{FE5B4EDC-59C0-49C7-8ADA-5A781B329E02}" type="datetimeFigureOut">
               <a:rPr lang="en-US"/>
-              <a:t>7/15/2016</a:t>
+              <a:t>08-Nov-17</a:t>
             </a:fld>
             <a:endParaRPr/>
           </a:p>
@@ -414,7 +414,7 @@
           <a:p>
             <a:fld id="{F2D8D46A-B586-417D-BFBD-8C8FE0AAF762}" type="datetimeFigureOut">
               <a:rPr lang="en-US"/>
-              <a:t>7/15/2016</a:t>
+              <a:t>08-Nov-17</a:t>
             </a:fld>
             <a:endParaRPr/>
           </a:p>
@@ -3033,7 +3033,7 @@
           <a:p>
             <a:fld id="{F0DFD029-FB74-4578-B929-F66AA97659CA}" type="datetimeFigureOut">
               <a:rPr lang="en-US"/>
-              <a:t>7/15/2016</a:t>
+              <a:t>08-Nov-17</a:t>
             </a:fld>
             <a:endParaRPr/>
           </a:p>
@@ -3231,7 +3231,7 @@
           <a:p>
             <a:fld id="{F0DFD029-FB74-4578-B929-F66AA97659CA}" type="datetimeFigureOut">
               <a:rPr lang="en-US"/>
-              <a:t>7/15/2016</a:t>
+              <a:t>08-Nov-17</a:t>
             </a:fld>
             <a:endParaRPr/>
           </a:p>
@@ -3439,7 +3439,7 @@
           <a:p>
             <a:fld id="{F0DFD029-FB74-4578-B929-F66AA97659CA}" type="datetimeFigureOut">
               <a:rPr lang="en-US"/>
-              <a:t>7/15/2016</a:t>
+              <a:t>08-Nov-17</a:t>
             </a:fld>
             <a:endParaRPr/>
           </a:p>
@@ -3637,7 +3637,7 @@
           <a:p>
             <a:fld id="{F0DFD029-FB74-4578-B929-F66AA97659CA}" type="datetimeFigureOut">
               <a:rPr lang="en-US"/>
-              <a:t>7/15/2016</a:t>
+              <a:t>08-Nov-17</a:t>
             </a:fld>
             <a:endParaRPr/>
           </a:p>
@@ -3900,7 +3900,7 @@
           <a:p>
             <a:fld id="{F0DFD029-FB74-4578-B929-F66AA97659CA}" type="datetimeFigureOut">
               <a:rPr lang="en-US"/>
-              <a:t>7/15/2016</a:t>
+              <a:t>08-Nov-17</a:t>
             </a:fld>
             <a:endParaRPr/>
           </a:p>
@@ -4373,7 +4373,7 @@
           <a:p>
             <a:fld id="{F0DFD029-FB74-4578-B929-F66AA97659CA}" type="datetimeFigureOut">
               <a:rPr lang="en-US"/>
-              <a:t>7/15/2016</a:t>
+              <a:t>08-Nov-17</a:t>
             </a:fld>
             <a:endParaRPr/>
           </a:p>
@@ -4829,7 +4829,7 @@
           <a:p>
             <a:fld id="{F0DFD029-FB74-4578-B929-F66AA97659CA}" type="datetimeFigureOut">
               <a:rPr lang="en-US"/>
-              <a:t>7/15/2016</a:t>
+              <a:t>08-Nov-17</a:t>
             </a:fld>
             <a:endParaRPr/>
           </a:p>
@@ -4959,7 +4959,7 @@
           <a:p>
             <a:fld id="{F0DFD029-FB74-4578-B929-F66AA97659CA}" type="datetimeFigureOut">
               <a:rPr lang="en-US"/>
-              <a:t>7/15/2016</a:t>
+              <a:t>08-Nov-17</a:t>
             </a:fld>
             <a:endParaRPr/>
           </a:p>
@@ -5066,7 +5066,7 @@
           <a:p>
             <a:fld id="{F0DFD029-FB74-4578-B929-F66AA97659CA}" type="datetimeFigureOut">
               <a:rPr lang="en-US"/>
-              <a:t>7/15/2016</a:t>
+              <a:t>08-Nov-17</a:t>
             </a:fld>
             <a:endParaRPr/>
           </a:p>
@@ -5365,7 +5365,7 @@
           <a:p>
             <a:fld id="{F0DFD029-FB74-4578-B929-F66AA97659CA}" type="datetimeFigureOut">
               <a:rPr lang="en-US"/>
-              <a:t>7/15/2016</a:t>
+              <a:t>08-Nov-17</a:t>
             </a:fld>
             <a:endParaRPr/>
           </a:p>
@@ -5653,7 +5653,7 @@
           <a:p>
             <a:fld id="{F0DFD029-FB74-4578-B929-F66AA97659CA}" type="datetimeFigureOut">
               <a:rPr lang="en-US"/>
-              <a:t>7/15/2016</a:t>
+              <a:t>08-Nov-17</a:t>
             </a:fld>
             <a:endParaRPr/>
           </a:p>
@@ -6276,7 +6276,7 @@
             <a:fld id="{F0DFD029-FB74-4578-B929-F66AA97659CA}" type="datetimeFigureOut">
               <a:rPr lang="en-US"/>
               <a:pPr/>
-              <a:t>7/15/2016</a:t>
+              <a:t>08-Nov-17</a:t>
             </a:fld>
             <a:endParaRPr/>
           </a:p>
@@ -6888,7 +6888,7 @@
         <p:spPr>
           <a:xfrm>
             <a:off x="709400" y="2276872"/>
-            <a:ext cx="7941223" cy="769441"/>
+            <a:ext cx="7941223" cy="1446550"/>
           </a:xfrm>
           <a:prstGeom prst="rect">
             <a:avLst/>
@@ -6903,8 +6903,19 @@
           <a:p>
             <a:pPr algn="ctr"/>
             <a:r>
-              <a:rPr lang="pt-BR" sz="4400" dirty="0"/>
-              <a:t>Introdução ao ambiente R</a:t>
+              <a:rPr lang="pt-BR" sz="4400" dirty="0" err="1" smtClean="0"/>
+              <a:t>Mini-curso</a:t>
+            </a:r>
+            <a:r>
+              <a:rPr lang="pt-BR" sz="4400" dirty="0" smtClean="0"/>
+              <a:t> </a:t>
+            </a:r>
+          </a:p>
+          <a:p>
+            <a:pPr algn="ctr"/>
+            <a:r>
+              <a:rPr lang="pt-BR" sz="4400" dirty="0" smtClean="0"/>
+              <a:t>Noções do R</a:t>
             </a:r>
             <a:endParaRPr lang="en-GB" sz="4400" dirty="0">
               <a:solidFill>
